--- a/Chapitre_01_Stabilite/Application_01/images/Figures.pptx
+++ b/Chapitre_01_Stabilite/Application_01/images/Figures.pptx
@@ -104,6 +104,22 @@
       </a:defRPr>
     </a:lvl9pPr>
   </p:defaultTextStyle>
+  <p:extLst>
+    <p:ext uri="{EFAFB233-063F-42B5-8137-9DF3F51BA10A}">
+      <p15:sldGuideLst xmlns:p15="http://schemas.microsoft.com/office/powerpoint/2012/main">
+        <p15:guide id="1" orient="horz" pos="2160">
+          <p15:clr>
+            <a:srgbClr val="A4A3A4"/>
+          </p15:clr>
+        </p15:guide>
+        <p15:guide id="2" pos="2880">
+          <p15:clr>
+            <a:srgbClr val="A4A3A4"/>
+          </p15:clr>
+        </p15:guide>
+      </p15:sldGuideLst>
+    </p:ext>
+  </p:extLst>
 </p:presentation>
 </file>
 
@@ -145,7 +161,7 @@
           <a:lstStyle/>
           <a:p>
             <a:r>
-              <a:rPr lang="fr-FR" smtClean="0"/>
+              <a:rPr lang="fr-FR"/>
               <a:t>Cliquez pour modifier le style du titre</a:t>
             </a:r>
             <a:endParaRPr lang="fr-BE"/>
@@ -264,7 +280,7 @@
           </a:lstStyle>
           <a:p>
             <a:r>
-              <a:rPr lang="fr-FR" smtClean="0"/>
+              <a:rPr lang="fr-FR"/>
               <a:t>Cliquez pour modifier le style des sous-titres du masque</a:t>
             </a:r>
             <a:endParaRPr lang="fr-BE"/>
@@ -288,7 +304,7 @@
           <a:p>
             <a:fld id="{AA309A6D-C09C-4548-B29A-6CF363A7E532}" type="datetimeFigureOut">
               <a:rPr lang="fr-FR" smtClean="0"/>
-              <a:t>26/09/2017</a:t>
+              <a:t>24/09/2018</a:t>
             </a:fld>
             <a:endParaRPr lang="fr-BE"/>
           </a:p>
@@ -377,7 +393,7 @@
           <a:lstStyle/>
           <a:p>
             <a:r>
-              <a:rPr lang="fr-FR" smtClean="0"/>
+              <a:rPr lang="fr-FR"/>
               <a:t>Cliquez pour modifier le style du titre</a:t>
             </a:r>
             <a:endParaRPr lang="fr-BE"/>
@@ -401,35 +417,35 @@
           <a:p>
             <a:pPr lvl="0"/>
             <a:r>
-              <a:rPr lang="fr-FR" smtClean="0"/>
+              <a:rPr lang="fr-FR"/>
               <a:t>Cliquez pour modifier les styles du texte du masque</a:t>
             </a:r>
           </a:p>
           <a:p>
             <a:pPr lvl="1"/>
             <a:r>
-              <a:rPr lang="fr-FR" smtClean="0"/>
+              <a:rPr lang="fr-FR"/>
               <a:t>Deuxième niveau</a:t>
             </a:r>
           </a:p>
           <a:p>
             <a:pPr lvl="2"/>
             <a:r>
-              <a:rPr lang="fr-FR" smtClean="0"/>
+              <a:rPr lang="fr-FR"/>
               <a:t>Troisième niveau</a:t>
             </a:r>
           </a:p>
           <a:p>
             <a:pPr lvl="3"/>
             <a:r>
-              <a:rPr lang="fr-FR" smtClean="0"/>
+              <a:rPr lang="fr-FR"/>
               <a:t>Quatrième niveau</a:t>
             </a:r>
           </a:p>
           <a:p>
             <a:pPr lvl="4"/>
             <a:r>
-              <a:rPr lang="fr-FR" smtClean="0"/>
+              <a:rPr lang="fr-FR"/>
               <a:t>Cinquième niveau</a:t>
             </a:r>
             <a:endParaRPr lang="fr-BE"/>
@@ -453,7 +469,7 @@
           <a:p>
             <a:fld id="{AA309A6D-C09C-4548-B29A-6CF363A7E532}" type="datetimeFigureOut">
               <a:rPr lang="fr-FR" smtClean="0"/>
-              <a:t>26/09/2017</a:t>
+              <a:t>24/09/2018</a:t>
             </a:fld>
             <a:endParaRPr lang="fr-BE"/>
           </a:p>
@@ -547,7 +563,7 @@
           <a:lstStyle/>
           <a:p>
             <a:r>
-              <a:rPr lang="fr-FR" smtClean="0"/>
+              <a:rPr lang="fr-FR"/>
               <a:t>Cliquez pour modifier le style du titre</a:t>
             </a:r>
             <a:endParaRPr lang="fr-BE"/>
@@ -576,35 +592,35 @@
           <a:p>
             <a:pPr lvl="0"/>
             <a:r>
-              <a:rPr lang="fr-FR" smtClean="0"/>
+              <a:rPr lang="fr-FR"/>
               <a:t>Cliquez pour modifier les styles du texte du masque</a:t>
             </a:r>
           </a:p>
           <a:p>
             <a:pPr lvl="1"/>
             <a:r>
-              <a:rPr lang="fr-FR" smtClean="0"/>
+              <a:rPr lang="fr-FR"/>
               <a:t>Deuxième niveau</a:t>
             </a:r>
           </a:p>
           <a:p>
             <a:pPr lvl="2"/>
             <a:r>
-              <a:rPr lang="fr-FR" smtClean="0"/>
+              <a:rPr lang="fr-FR"/>
               <a:t>Troisième niveau</a:t>
             </a:r>
           </a:p>
           <a:p>
             <a:pPr lvl="3"/>
             <a:r>
-              <a:rPr lang="fr-FR" smtClean="0"/>
+              <a:rPr lang="fr-FR"/>
               <a:t>Quatrième niveau</a:t>
             </a:r>
           </a:p>
           <a:p>
             <a:pPr lvl="4"/>
             <a:r>
-              <a:rPr lang="fr-FR" smtClean="0"/>
+              <a:rPr lang="fr-FR"/>
               <a:t>Cinquième niveau</a:t>
             </a:r>
             <a:endParaRPr lang="fr-BE"/>
@@ -628,7 +644,7 @@
           <a:p>
             <a:fld id="{AA309A6D-C09C-4548-B29A-6CF363A7E532}" type="datetimeFigureOut">
               <a:rPr lang="fr-FR" smtClean="0"/>
-              <a:t>26/09/2017</a:t>
+              <a:t>24/09/2018</a:t>
             </a:fld>
             <a:endParaRPr lang="fr-BE"/>
           </a:p>
@@ -717,7 +733,7 @@
           <a:lstStyle/>
           <a:p>
             <a:r>
-              <a:rPr lang="fr-FR" smtClean="0"/>
+              <a:rPr lang="fr-FR"/>
               <a:t>Cliquez pour modifier le style du titre</a:t>
             </a:r>
             <a:endParaRPr lang="fr-BE"/>
@@ -741,35 +757,35 @@
           <a:p>
             <a:pPr lvl="0"/>
             <a:r>
-              <a:rPr lang="fr-FR" smtClean="0"/>
+              <a:rPr lang="fr-FR"/>
               <a:t>Cliquez pour modifier les styles du texte du masque</a:t>
             </a:r>
           </a:p>
           <a:p>
             <a:pPr lvl="1"/>
             <a:r>
-              <a:rPr lang="fr-FR" smtClean="0"/>
+              <a:rPr lang="fr-FR"/>
               <a:t>Deuxième niveau</a:t>
             </a:r>
           </a:p>
           <a:p>
             <a:pPr lvl="2"/>
             <a:r>
-              <a:rPr lang="fr-FR" smtClean="0"/>
+              <a:rPr lang="fr-FR"/>
               <a:t>Troisième niveau</a:t>
             </a:r>
           </a:p>
           <a:p>
             <a:pPr lvl="3"/>
             <a:r>
-              <a:rPr lang="fr-FR" smtClean="0"/>
+              <a:rPr lang="fr-FR"/>
               <a:t>Quatrième niveau</a:t>
             </a:r>
           </a:p>
           <a:p>
             <a:pPr lvl="4"/>
             <a:r>
-              <a:rPr lang="fr-FR" smtClean="0"/>
+              <a:rPr lang="fr-FR"/>
               <a:t>Cinquième niveau</a:t>
             </a:r>
             <a:endParaRPr lang="fr-BE"/>
@@ -793,7 +809,7 @@
           <a:p>
             <a:fld id="{AA309A6D-C09C-4548-B29A-6CF363A7E532}" type="datetimeFigureOut">
               <a:rPr lang="fr-FR" smtClean="0"/>
-              <a:t>26/09/2017</a:t>
+              <a:t>24/09/2018</a:t>
             </a:fld>
             <a:endParaRPr lang="fr-BE"/>
           </a:p>
@@ -891,7 +907,7 @@
           </a:lstStyle>
           <a:p>
             <a:r>
-              <a:rPr lang="fr-FR" smtClean="0"/>
+              <a:rPr lang="fr-FR"/>
               <a:t>Cliquez pour modifier le style du titre</a:t>
             </a:r>
             <a:endParaRPr lang="fr-BE"/>
@@ -1011,7 +1027,7 @@
           <a:p>
             <a:pPr lvl="0"/>
             <a:r>
-              <a:rPr lang="fr-FR" smtClean="0"/>
+              <a:rPr lang="fr-FR"/>
               <a:t>Cliquez pour modifier les styles du texte du masque</a:t>
             </a:r>
           </a:p>
@@ -1034,7 +1050,7 @@
           <a:p>
             <a:fld id="{AA309A6D-C09C-4548-B29A-6CF363A7E532}" type="datetimeFigureOut">
               <a:rPr lang="fr-FR" smtClean="0"/>
-              <a:t>26/09/2017</a:t>
+              <a:t>24/09/2018</a:t>
             </a:fld>
             <a:endParaRPr lang="fr-BE"/>
           </a:p>
@@ -1123,7 +1139,7 @@
           <a:lstStyle/>
           <a:p>
             <a:r>
-              <a:rPr lang="fr-FR" smtClean="0"/>
+              <a:rPr lang="fr-FR"/>
               <a:t>Cliquez pour modifier le style du titre</a:t>
             </a:r>
             <a:endParaRPr lang="fr-BE"/>
@@ -1180,35 +1196,35 @@
           <a:p>
             <a:pPr lvl="0"/>
             <a:r>
-              <a:rPr lang="fr-FR" smtClean="0"/>
+              <a:rPr lang="fr-FR"/>
               <a:t>Cliquez pour modifier les styles du texte du masque</a:t>
             </a:r>
           </a:p>
           <a:p>
             <a:pPr lvl="1"/>
             <a:r>
-              <a:rPr lang="fr-FR" smtClean="0"/>
+              <a:rPr lang="fr-FR"/>
               <a:t>Deuxième niveau</a:t>
             </a:r>
           </a:p>
           <a:p>
             <a:pPr lvl="2"/>
             <a:r>
-              <a:rPr lang="fr-FR" smtClean="0"/>
+              <a:rPr lang="fr-FR"/>
               <a:t>Troisième niveau</a:t>
             </a:r>
           </a:p>
           <a:p>
             <a:pPr lvl="3"/>
             <a:r>
-              <a:rPr lang="fr-FR" smtClean="0"/>
+              <a:rPr lang="fr-FR"/>
               <a:t>Quatrième niveau</a:t>
             </a:r>
           </a:p>
           <a:p>
             <a:pPr lvl="4"/>
             <a:r>
-              <a:rPr lang="fr-FR" smtClean="0"/>
+              <a:rPr lang="fr-FR"/>
               <a:t>Cinquième niveau</a:t>
             </a:r>
             <a:endParaRPr lang="fr-BE"/>
@@ -1265,35 +1281,35 @@
           <a:p>
             <a:pPr lvl="0"/>
             <a:r>
-              <a:rPr lang="fr-FR" smtClean="0"/>
+              <a:rPr lang="fr-FR"/>
               <a:t>Cliquez pour modifier les styles du texte du masque</a:t>
             </a:r>
           </a:p>
           <a:p>
             <a:pPr lvl="1"/>
             <a:r>
-              <a:rPr lang="fr-FR" smtClean="0"/>
+              <a:rPr lang="fr-FR"/>
               <a:t>Deuxième niveau</a:t>
             </a:r>
           </a:p>
           <a:p>
             <a:pPr lvl="2"/>
             <a:r>
-              <a:rPr lang="fr-FR" smtClean="0"/>
+              <a:rPr lang="fr-FR"/>
               <a:t>Troisième niveau</a:t>
             </a:r>
           </a:p>
           <a:p>
             <a:pPr lvl="3"/>
             <a:r>
-              <a:rPr lang="fr-FR" smtClean="0"/>
+              <a:rPr lang="fr-FR"/>
               <a:t>Quatrième niveau</a:t>
             </a:r>
           </a:p>
           <a:p>
             <a:pPr lvl="4"/>
             <a:r>
-              <a:rPr lang="fr-FR" smtClean="0"/>
+              <a:rPr lang="fr-FR"/>
               <a:t>Cinquième niveau</a:t>
             </a:r>
             <a:endParaRPr lang="fr-BE"/>
@@ -1317,7 +1333,7 @@
           <a:p>
             <a:fld id="{AA309A6D-C09C-4548-B29A-6CF363A7E532}" type="datetimeFigureOut">
               <a:rPr lang="fr-FR" smtClean="0"/>
-              <a:t>26/09/2017</a:t>
+              <a:t>24/09/2018</a:t>
             </a:fld>
             <a:endParaRPr lang="fr-BE"/>
           </a:p>
@@ -1410,7 +1426,7 @@
           </a:lstStyle>
           <a:p>
             <a:r>
-              <a:rPr lang="fr-FR" smtClean="0"/>
+              <a:rPr lang="fr-FR"/>
               <a:t>Cliquez pour modifier le style du titre</a:t>
             </a:r>
             <a:endParaRPr lang="fr-BE"/>
@@ -1476,7 +1492,7 @@
           <a:p>
             <a:pPr lvl="0"/>
             <a:r>
-              <a:rPr lang="fr-FR" smtClean="0"/>
+              <a:rPr lang="fr-FR"/>
               <a:t>Cliquez pour modifier les styles du texte du masque</a:t>
             </a:r>
           </a:p>
@@ -1532,35 +1548,35 @@
           <a:p>
             <a:pPr lvl="0"/>
             <a:r>
-              <a:rPr lang="fr-FR" smtClean="0"/>
+              <a:rPr lang="fr-FR"/>
               <a:t>Cliquez pour modifier les styles du texte du masque</a:t>
             </a:r>
           </a:p>
           <a:p>
             <a:pPr lvl="1"/>
             <a:r>
-              <a:rPr lang="fr-FR" smtClean="0"/>
+              <a:rPr lang="fr-FR"/>
               <a:t>Deuxième niveau</a:t>
             </a:r>
           </a:p>
           <a:p>
             <a:pPr lvl="2"/>
             <a:r>
-              <a:rPr lang="fr-FR" smtClean="0"/>
+              <a:rPr lang="fr-FR"/>
               <a:t>Troisième niveau</a:t>
             </a:r>
           </a:p>
           <a:p>
             <a:pPr lvl="3"/>
             <a:r>
-              <a:rPr lang="fr-FR" smtClean="0"/>
+              <a:rPr lang="fr-FR"/>
               <a:t>Quatrième niveau</a:t>
             </a:r>
           </a:p>
           <a:p>
             <a:pPr lvl="4"/>
             <a:r>
-              <a:rPr lang="fr-FR" smtClean="0"/>
+              <a:rPr lang="fr-FR"/>
               <a:t>Cinquième niveau</a:t>
             </a:r>
             <a:endParaRPr lang="fr-BE"/>
@@ -1626,7 +1642,7 @@
           <a:p>
             <a:pPr lvl="0"/>
             <a:r>
-              <a:rPr lang="fr-FR" smtClean="0"/>
+              <a:rPr lang="fr-FR"/>
               <a:t>Cliquez pour modifier les styles du texte du masque</a:t>
             </a:r>
           </a:p>
@@ -1682,35 +1698,35 @@
           <a:p>
             <a:pPr lvl="0"/>
             <a:r>
-              <a:rPr lang="fr-FR" smtClean="0"/>
+              <a:rPr lang="fr-FR"/>
               <a:t>Cliquez pour modifier les styles du texte du masque</a:t>
             </a:r>
           </a:p>
           <a:p>
             <a:pPr lvl="1"/>
             <a:r>
-              <a:rPr lang="fr-FR" smtClean="0"/>
+              <a:rPr lang="fr-FR"/>
               <a:t>Deuxième niveau</a:t>
             </a:r>
           </a:p>
           <a:p>
             <a:pPr lvl="2"/>
             <a:r>
-              <a:rPr lang="fr-FR" smtClean="0"/>
+              <a:rPr lang="fr-FR"/>
               <a:t>Troisième niveau</a:t>
             </a:r>
           </a:p>
           <a:p>
             <a:pPr lvl="3"/>
             <a:r>
-              <a:rPr lang="fr-FR" smtClean="0"/>
+              <a:rPr lang="fr-FR"/>
               <a:t>Quatrième niveau</a:t>
             </a:r>
           </a:p>
           <a:p>
             <a:pPr lvl="4"/>
             <a:r>
-              <a:rPr lang="fr-FR" smtClean="0"/>
+              <a:rPr lang="fr-FR"/>
               <a:t>Cinquième niveau</a:t>
             </a:r>
             <a:endParaRPr lang="fr-BE"/>
@@ -1734,7 +1750,7 @@
           <a:p>
             <a:fld id="{AA309A6D-C09C-4548-B29A-6CF363A7E532}" type="datetimeFigureOut">
               <a:rPr lang="fr-FR" smtClean="0"/>
-              <a:t>26/09/2017</a:t>
+              <a:t>24/09/2018</a:t>
             </a:fld>
             <a:endParaRPr lang="fr-BE"/>
           </a:p>
@@ -1823,7 +1839,7 @@
           <a:lstStyle/>
           <a:p>
             <a:r>
-              <a:rPr lang="fr-FR" smtClean="0"/>
+              <a:rPr lang="fr-FR"/>
               <a:t>Cliquez pour modifier le style du titre</a:t>
             </a:r>
             <a:endParaRPr lang="fr-BE"/>
@@ -1847,7 +1863,7 @@
           <a:p>
             <a:fld id="{AA309A6D-C09C-4548-B29A-6CF363A7E532}" type="datetimeFigureOut">
               <a:rPr lang="fr-FR" smtClean="0"/>
-              <a:t>26/09/2017</a:t>
+              <a:t>24/09/2018</a:t>
             </a:fld>
             <a:endParaRPr lang="fr-BE"/>
           </a:p>
@@ -1937,7 +1953,7 @@
           <a:p>
             <a:fld id="{AA309A6D-C09C-4548-B29A-6CF363A7E532}" type="datetimeFigureOut">
               <a:rPr lang="fr-FR" smtClean="0"/>
-              <a:t>26/09/2017</a:t>
+              <a:t>24/09/2018</a:t>
             </a:fld>
             <a:endParaRPr lang="fr-BE"/>
           </a:p>
@@ -2035,7 +2051,7 @@
           </a:lstStyle>
           <a:p>
             <a:r>
-              <a:rPr lang="fr-FR" smtClean="0"/>
+              <a:rPr lang="fr-FR"/>
               <a:t>Cliquez pour modifier le style du titre</a:t>
             </a:r>
             <a:endParaRPr lang="fr-BE"/>
@@ -2092,35 +2108,35 @@
           <a:p>
             <a:pPr lvl="0"/>
             <a:r>
-              <a:rPr lang="fr-FR" smtClean="0"/>
+              <a:rPr lang="fr-FR"/>
               <a:t>Cliquez pour modifier les styles du texte du masque</a:t>
             </a:r>
           </a:p>
           <a:p>
             <a:pPr lvl="1"/>
             <a:r>
-              <a:rPr lang="fr-FR" smtClean="0"/>
+              <a:rPr lang="fr-FR"/>
               <a:t>Deuxième niveau</a:t>
             </a:r>
           </a:p>
           <a:p>
             <a:pPr lvl="2"/>
             <a:r>
-              <a:rPr lang="fr-FR" smtClean="0"/>
+              <a:rPr lang="fr-FR"/>
               <a:t>Troisième niveau</a:t>
             </a:r>
           </a:p>
           <a:p>
             <a:pPr lvl="3"/>
             <a:r>
-              <a:rPr lang="fr-FR" smtClean="0"/>
+              <a:rPr lang="fr-FR"/>
               <a:t>Quatrième niveau</a:t>
             </a:r>
           </a:p>
           <a:p>
             <a:pPr lvl="4"/>
             <a:r>
-              <a:rPr lang="fr-FR" smtClean="0"/>
+              <a:rPr lang="fr-FR"/>
               <a:t>Cinquième niveau</a:t>
             </a:r>
             <a:endParaRPr lang="fr-BE"/>
@@ -2186,7 +2202,7 @@
           <a:p>
             <a:pPr lvl="0"/>
             <a:r>
-              <a:rPr lang="fr-FR" smtClean="0"/>
+              <a:rPr lang="fr-FR"/>
               <a:t>Cliquez pour modifier les styles du texte du masque</a:t>
             </a:r>
           </a:p>
@@ -2209,7 +2225,7 @@
           <a:p>
             <a:fld id="{AA309A6D-C09C-4548-B29A-6CF363A7E532}" type="datetimeFigureOut">
               <a:rPr lang="fr-FR" smtClean="0"/>
-              <a:t>26/09/2017</a:t>
+              <a:t>24/09/2018</a:t>
             </a:fld>
             <a:endParaRPr lang="fr-BE"/>
           </a:p>
@@ -2307,7 +2323,7 @@
           </a:lstStyle>
           <a:p>
             <a:r>
-              <a:rPr lang="fr-FR" smtClean="0"/>
+              <a:rPr lang="fr-FR"/>
               <a:t>Cliquez pour modifier le style du titre</a:t>
             </a:r>
             <a:endParaRPr lang="fr-BE"/>
@@ -2434,7 +2450,7 @@
           <a:p>
             <a:pPr lvl="0"/>
             <a:r>
-              <a:rPr lang="fr-FR" smtClean="0"/>
+              <a:rPr lang="fr-FR"/>
               <a:t>Cliquez pour modifier les styles du texte du masque</a:t>
             </a:r>
           </a:p>
@@ -2457,7 +2473,7 @@
           <a:p>
             <a:fld id="{AA309A6D-C09C-4548-B29A-6CF363A7E532}" type="datetimeFigureOut">
               <a:rPr lang="fr-FR" smtClean="0"/>
-              <a:t>26/09/2017</a:t>
+              <a:t>24/09/2018</a:t>
             </a:fld>
             <a:endParaRPr lang="fr-BE"/>
           </a:p>
@@ -2561,7 +2577,7 @@
           <a:lstStyle/>
           <a:p>
             <a:r>
-              <a:rPr lang="fr-FR" smtClean="0"/>
+              <a:rPr lang="fr-FR"/>
               <a:t>Cliquez pour modifier le style du titre</a:t>
             </a:r>
             <a:endParaRPr lang="fr-BE"/>
@@ -2595,35 +2611,35 @@
           <a:p>
             <a:pPr lvl="0"/>
             <a:r>
-              <a:rPr lang="fr-FR" smtClean="0"/>
+              <a:rPr lang="fr-FR"/>
               <a:t>Cliquez pour modifier les styles du texte du masque</a:t>
             </a:r>
           </a:p>
           <a:p>
             <a:pPr lvl="1"/>
             <a:r>
-              <a:rPr lang="fr-FR" smtClean="0"/>
+              <a:rPr lang="fr-FR"/>
               <a:t>Deuxième niveau</a:t>
             </a:r>
           </a:p>
           <a:p>
             <a:pPr lvl="2"/>
             <a:r>
-              <a:rPr lang="fr-FR" smtClean="0"/>
+              <a:rPr lang="fr-FR"/>
               <a:t>Troisième niveau</a:t>
             </a:r>
           </a:p>
           <a:p>
             <a:pPr lvl="3"/>
             <a:r>
-              <a:rPr lang="fr-FR" smtClean="0"/>
+              <a:rPr lang="fr-FR"/>
               <a:t>Quatrième niveau</a:t>
             </a:r>
           </a:p>
           <a:p>
             <a:pPr lvl="4"/>
             <a:r>
-              <a:rPr lang="fr-FR" smtClean="0"/>
+              <a:rPr lang="fr-FR"/>
               <a:t>Cinquième niveau</a:t>
             </a:r>
             <a:endParaRPr lang="fr-BE"/>
@@ -2665,7 +2681,7 @@
           <a:p>
             <a:fld id="{AA309A6D-C09C-4548-B29A-6CF363A7E532}" type="datetimeFigureOut">
               <a:rPr lang="fr-FR" smtClean="0"/>
-              <a:t>26/09/2017</a:t>
+              <a:t>24/09/2018</a:t>
             </a:fld>
             <a:endParaRPr lang="fr-BE"/>
           </a:p>
@@ -3035,6 +3051,1184 @@
           <a:chExt cx="0" cy="0"/>
         </a:xfrm>
       </p:grpSpPr>
+      <mc:AlternateContent xmlns:mc="http://schemas.openxmlformats.org/markup-compatibility/2006">
+        <mc:Choice xmlns:a14="http://schemas.microsoft.com/office/drawing/2010/main" Requires="a14">
+          <p:sp>
+            <p:nvSpPr>
+              <p:cNvPr id="2" name="Rectangle 1">
+                <a:extLst>
+                  <a:ext uri="{FF2B5EF4-FFF2-40B4-BE49-F238E27FC236}">
+                    <a16:creationId xmlns:a16="http://schemas.microsoft.com/office/drawing/2014/main" id="{8C2DBCE5-0B13-4A59-BDBB-FD6E2604CB85}"/>
+                  </a:ext>
+                </a:extLst>
+              </p:cNvPr>
+              <p:cNvSpPr/>
+              <p:nvPr/>
+            </p:nvSpPr>
+            <p:spPr>
+              <a:xfrm>
+                <a:off x="4637296" y="980728"/>
+                <a:ext cx="1728192" cy="504056"/>
+              </a:xfrm>
+              <a:prstGeom prst="rect">
+                <a:avLst/>
+              </a:prstGeom>
+              <a:noFill/>
+              <a:ln w="19050">
+                <a:solidFill>
+                  <a:schemeClr val="tx1"/>
+                </a:solidFill>
+              </a:ln>
+            </p:spPr>
+            <p:style>
+              <a:lnRef idx="2">
+                <a:schemeClr val="accent1">
+                  <a:shade val="50000"/>
+                </a:schemeClr>
+              </a:lnRef>
+              <a:fillRef idx="1">
+                <a:schemeClr val="accent1"/>
+              </a:fillRef>
+              <a:effectRef idx="0">
+                <a:schemeClr val="accent1"/>
+              </a:effectRef>
+              <a:fontRef idx="minor">
+                <a:schemeClr val="lt1"/>
+              </a:fontRef>
+            </p:style>
+            <p:txBody>
+              <a:bodyPr rtlCol="0" anchor="ctr"/>
+              <a:lstStyle/>
+              <a:p>
+                <a:pPr algn="ctr"/>
+                <a14:m>
+                  <m:oMathPara xmlns:m="http://schemas.openxmlformats.org/officeDocument/2006/math">
+                    <m:oMathParaPr>
+                      <m:jc m:val="centerGroup"/>
+                    </m:oMathParaPr>
+                    <m:oMath xmlns:m="http://schemas.openxmlformats.org/officeDocument/2006/math">
+                      <m:f>
+                        <m:fPr>
+                          <m:ctrlPr>
+                            <a:rPr lang="fr-FR" sz="1400" b="0" i="1" smtClean="0">
+                              <a:solidFill>
+                                <a:schemeClr val="tx1"/>
+                              </a:solidFill>
+                              <a:latin typeface="Cambria Math" panose="02040503050406030204" pitchFamily="18" charset="0"/>
+                            </a:rPr>
+                          </m:ctrlPr>
+                        </m:fPr>
+                        <m:num>
+                          <m:r>
+                            <a:rPr lang="fr-FR" sz="1400" b="0" i="1" smtClean="0">
+                              <a:solidFill>
+                                <a:schemeClr val="tx1"/>
+                              </a:solidFill>
+                              <a:latin typeface="Cambria Math" panose="02040503050406030204" pitchFamily="18" charset="0"/>
+                            </a:rPr>
+                            <m:t>1</m:t>
+                          </m:r>
+                        </m:num>
+                        <m:den>
+                          <m:r>
+                            <a:rPr lang="fr-FR" sz="1400" b="0" i="1" smtClean="0">
+                              <a:solidFill>
+                                <a:schemeClr val="tx1"/>
+                              </a:solidFill>
+                              <a:latin typeface="Cambria Math" panose="02040503050406030204" pitchFamily="18" charset="0"/>
+                            </a:rPr>
+                            <m:t>𝑝</m:t>
+                          </m:r>
+                          <m:d>
+                            <m:dPr>
+                              <m:ctrlPr>
+                                <a:rPr lang="fr-FR" sz="1400" i="1">
+                                  <a:solidFill>
+                                    <a:schemeClr val="tx1"/>
+                                  </a:solidFill>
+                                  <a:latin typeface="Cambria Math" panose="02040503050406030204" pitchFamily="18" charset="0"/>
+                                </a:rPr>
+                              </m:ctrlPr>
+                            </m:dPr>
+                            <m:e>
+                              <m:r>
+                                <a:rPr lang="fr-FR" sz="1400" i="1">
+                                  <a:solidFill>
+                                    <a:schemeClr val="tx1"/>
+                                  </a:solidFill>
+                                  <a:latin typeface="Cambria Math" panose="02040503050406030204" pitchFamily="18" charset="0"/>
+                                </a:rPr>
+                                <m:t>1+10</m:t>
+                              </m:r>
+                              <m:r>
+                                <a:rPr lang="fr-FR" sz="1400" i="1">
+                                  <a:solidFill>
+                                    <a:schemeClr val="tx1"/>
+                                  </a:solidFill>
+                                  <a:latin typeface="Cambria Math" panose="02040503050406030204" pitchFamily="18" charset="0"/>
+                                </a:rPr>
+                                <m:t>𝑝</m:t>
+                              </m:r>
+                            </m:e>
+                          </m:d>
+                          <m:d>
+                            <m:dPr>
+                              <m:ctrlPr>
+                                <a:rPr lang="fr-FR" sz="1400" i="1">
+                                  <a:solidFill>
+                                    <a:schemeClr val="tx1"/>
+                                  </a:solidFill>
+                                  <a:latin typeface="Cambria Math" panose="02040503050406030204" pitchFamily="18" charset="0"/>
+                                </a:rPr>
+                              </m:ctrlPr>
+                            </m:dPr>
+                            <m:e>
+                              <m:r>
+                                <a:rPr lang="fr-FR" sz="1400" i="1">
+                                  <a:solidFill>
+                                    <a:schemeClr val="tx1"/>
+                                  </a:solidFill>
+                                  <a:latin typeface="Cambria Math" panose="02040503050406030204" pitchFamily="18" charset="0"/>
+                                </a:rPr>
+                                <m:t>1+</m:t>
+                              </m:r>
+                              <m:r>
+                                <a:rPr lang="fr-FR" sz="1400" b="0" i="1" smtClean="0">
+                                  <a:solidFill>
+                                    <a:schemeClr val="tx1"/>
+                                  </a:solidFill>
+                                  <a:latin typeface="Cambria Math" panose="02040503050406030204" pitchFamily="18" charset="0"/>
+                                </a:rPr>
+                                <m:t>0,5</m:t>
+                              </m:r>
+                              <m:r>
+                                <a:rPr lang="fr-FR" sz="1400" i="1">
+                                  <a:solidFill>
+                                    <a:schemeClr val="tx1"/>
+                                  </a:solidFill>
+                                  <a:latin typeface="Cambria Math" panose="02040503050406030204" pitchFamily="18" charset="0"/>
+                                </a:rPr>
+                                <m:t>𝑝</m:t>
+                              </m:r>
+                            </m:e>
+                          </m:d>
+                        </m:den>
+                      </m:f>
+                    </m:oMath>
+                  </m:oMathPara>
+                </a14:m>
+                <a:endParaRPr lang="fr-FR" sz="1400" dirty="0">
+                  <a:solidFill>
+                    <a:schemeClr val="tx1"/>
+                  </a:solidFill>
+                </a:endParaRPr>
+              </a:p>
+            </p:txBody>
+          </p:sp>
+        </mc:Choice>
+        <mc:Fallback>
+          <p:sp>
+            <p:nvSpPr>
+              <p:cNvPr id="2" name="Rectangle 1">
+                <a:extLst>
+                  <a:ext uri="{FF2B5EF4-FFF2-40B4-BE49-F238E27FC236}">
+                    <a16:creationId xmlns:a16="http://schemas.microsoft.com/office/drawing/2014/main" id="{8C2DBCE5-0B13-4A59-BDBB-FD6E2604CB85}"/>
+                  </a:ext>
+                </a:extLst>
+              </p:cNvPr>
+              <p:cNvSpPr>
+                <a:spLocks noRot="1" noChangeAspect="1" noMove="1" noResize="1" noEditPoints="1" noAdjustHandles="1" noChangeArrowheads="1" noChangeShapeType="1" noTextEdit="1"/>
+              </p:cNvSpPr>
+              <p:nvPr/>
+            </p:nvSpPr>
+            <p:spPr>
+              <a:xfrm>
+                <a:off x="4637296" y="980728"/>
+                <a:ext cx="1728192" cy="504056"/>
+              </a:xfrm>
+              <a:prstGeom prst="rect">
+                <a:avLst/>
+              </a:prstGeom>
+              <a:blipFill>
+                <a:blip r:embed="rId2"/>
+                <a:stretch>
+                  <a:fillRect l="-2448" b="-4651"/>
+                </a:stretch>
+              </a:blipFill>
+              <a:ln w="19050">
+                <a:solidFill>
+                  <a:schemeClr val="tx1"/>
+                </a:solidFill>
+              </a:ln>
+            </p:spPr>
+            <p:txBody>
+              <a:bodyPr/>
+              <a:lstStyle/>
+              <a:p>
+                <a:r>
+                  <a:rPr lang="fr-FR">
+                    <a:noFill/>
+                  </a:rPr>
+                  <a:t> </a:t>
+                </a:r>
+              </a:p>
+            </p:txBody>
+          </p:sp>
+        </mc:Fallback>
+      </mc:AlternateContent>
+      <mc:AlternateContent xmlns:mc="http://schemas.openxmlformats.org/markup-compatibility/2006">
+        <mc:Choice xmlns:a14="http://schemas.microsoft.com/office/drawing/2010/main" Requires="a14">
+          <p:sp>
+            <p:nvSpPr>
+              <p:cNvPr id="3" name="Rectangle 2">
+                <a:extLst>
+                  <a:ext uri="{FF2B5EF4-FFF2-40B4-BE49-F238E27FC236}">
+                    <a16:creationId xmlns:a16="http://schemas.microsoft.com/office/drawing/2014/main" id="{326EB00B-E9AE-4497-B210-18307F17E377}"/>
+                  </a:ext>
+                </a:extLst>
+              </p:cNvPr>
+              <p:cNvSpPr/>
+              <p:nvPr/>
+            </p:nvSpPr>
+            <p:spPr>
+              <a:xfrm>
+                <a:off x="3563888" y="980728"/>
+                <a:ext cx="576064" cy="504056"/>
+              </a:xfrm>
+              <a:prstGeom prst="rect">
+                <a:avLst/>
+              </a:prstGeom>
+              <a:noFill/>
+              <a:ln w="19050">
+                <a:solidFill>
+                  <a:schemeClr val="tx1"/>
+                </a:solidFill>
+              </a:ln>
+            </p:spPr>
+            <p:style>
+              <a:lnRef idx="2">
+                <a:schemeClr val="accent1">
+                  <a:shade val="50000"/>
+                </a:schemeClr>
+              </a:lnRef>
+              <a:fillRef idx="1">
+                <a:schemeClr val="accent1"/>
+              </a:fillRef>
+              <a:effectRef idx="0">
+                <a:schemeClr val="accent1"/>
+              </a:effectRef>
+              <a:fontRef idx="minor">
+                <a:schemeClr val="lt1"/>
+              </a:fontRef>
+            </p:style>
+            <p:txBody>
+              <a:bodyPr rtlCol="0" anchor="ctr"/>
+              <a:lstStyle/>
+              <a:p>
+                <a:pPr algn="ctr"/>
+                <a14:m>
+                  <m:oMathPara xmlns:m="http://schemas.openxmlformats.org/officeDocument/2006/math">
+                    <m:oMathParaPr>
+                      <m:jc m:val="centerGroup"/>
+                    </m:oMathParaPr>
+                    <m:oMath xmlns:m="http://schemas.openxmlformats.org/officeDocument/2006/math">
+                      <m:sSub>
+                        <m:sSubPr>
+                          <m:ctrlPr>
+                            <a:rPr lang="fr-FR" sz="1400" b="0" i="1" smtClean="0">
+                              <a:solidFill>
+                                <a:schemeClr val="tx1"/>
+                              </a:solidFill>
+                              <a:latin typeface="Cambria Math" panose="02040503050406030204" pitchFamily="18" charset="0"/>
+                            </a:rPr>
+                          </m:ctrlPr>
+                        </m:sSubPr>
+                        <m:e>
+                          <m:r>
+                            <a:rPr lang="fr-FR" sz="1400" b="0" i="1" smtClean="0">
+                              <a:solidFill>
+                                <a:schemeClr val="tx1"/>
+                              </a:solidFill>
+                              <a:latin typeface="Cambria Math" panose="02040503050406030204" pitchFamily="18" charset="0"/>
+                            </a:rPr>
+                            <m:t>𝐾</m:t>
+                          </m:r>
+                        </m:e>
+                        <m:sub>
+                          <m:r>
+                            <a:rPr lang="fr-FR" sz="1400" b="0" i="1" smtClean="0">
+                              <a:solidFill>
+                                <a:schemeClr val="tx1"/>
+                              </a:solidFill>
+                              <a:latin typeface="Cambria Math" panose="02040503050406030204" pitchFamily="18" charset="0"/>
+                            </a:rPr>
+                            <m:t>𝐶</m:t>
+                          </m:r>
+                        </m:sub>
+                      </m:sSub>
+                    </m:oMath>
+                  </m:oMathPara>
+                </a14:m>
+                <a:endParaRPr lang="fr-FR" sz="1400" dirty="0">
+                  <a:solidFill>
+                    <a:schemeClr val="tx1"/>
+                  </a:solidFill>
+                </a:endParaRPr>
+              </a:p>
+            </p:txBody>
+          </p:sp>
+        </mc:Choice>
+        <mc:Fallback>
+          <p:sp>
+            <p:nvSpPr>
+              <p:cNvPr id="3" name="Rectangle 2">
+                <a:extLst>
+                  <a:ext uri="{FF2B5EF4-FFF2-40B4-BE49-F238E27FC236}">
+                    <a16:creationId xmlns:a16="http://schemas.microsoft.com/office/drawing/2014/main" id="{326EB00B-E9AE-4497-B210-18307F17E377}"/>
+                  </a:ext>
+                </a:extLst>
+              </p:cNvPr>
+              <p:cNvSpPr>
+                <a:spLocks noRot="1" noChangeAspect="1" noMove="1" noResize="1" noEditPoints="1" noAdjustHandles="1" noChangeArrowheads="1" noChangeShapeType="1" noTextEdit="1"/>
+              </p:cNvSpPr>
+              <p:nvPr/>
+            </p:nvSpPr>
+            <p:spPr>
+              <a:xfrm>
+                <a:off x="3563888" y="980728"/>
+                <a:ext cx="576064" cy="504056"/>
+              </a:xfrm>
+              <a:prstGeom prst="rect">
+                <a:avLst/>
+              </a:prstGeom>
+              <a:blipFill>
+                <a:blip r:embed="rId3"/>
+                <a:stretch>
+                  <a:fillRect/>
+                </a:stretch>
+              </a:blipFill>
+              <a:ln w="19050">
+                <a:solidFill>
+                  <a:schemeClr val="tx1"/>
+                </a:solidFill>
+              </a:ln>
+            </p:spPr>
+            <p:txBody>
+              <a:bodyPr/>
+              <a:lstStyle/>
+              <a:p>
+                <a:r>
+                  <a:rPr lang="fr-FR">
+                    <a:noFill/>
+                  </a:rPr>
+                  <a:t> </a:t>
+                </a:r>
+              </a:p>
+            </p:txBody>
+          </p:sp>
+        </mc:Fallback>
+      </mc:AlternateContent>
+      <p:cxnSp>
+        <p:nvCxnSpPr>
+          <p:cNvPr id="5" name="Connecteur droit avec flèche 4">
+            <a:extLst>
+              <a:ext uri="{FF2B5EF4-FFF2-40B4-BE49-F238E27FC236}">
+                <a16:creationId xmlns:a16="http://schemas.microsoft.com/office/drawing/2014/main" id="{C10B8DB1-755F-4757-A8BC-166E3AFA93B0}"/>
+              </a:ext>
+            </a:extLst>
+          </p:cNvPr>
+          <p:cNvCxnSpPr>
+            <a:stCxn id="3" idx="3"/>
+            <a:endCxn id="2" idx="1"/>
+          </p:cNvCxnSpPr>
+          <p:nvPr/>
+        </p:nvCxnSpPr>
+        <p:spPr>
+          <a:xfrm>
+            <a:off x="4139952" y="1232756"/>
+            <a:ext cx="497344" cy="0"/>
+          </a:xfrm>
+          <a:prstGeom prst="straightConnector1">
+            <a:avLst/>
+          </a:prstGeom>
+          <a:noFill/>
+          <a:ln w="19050">
+            <a:solidFill>
+              <a:schemeClr val="tx1"/>
+            </a:solidFill>
+            <a:tailEnd type="stealth"/>
+          </a:ln>
+        </p:spPr>
+        <p:style>
+          <a:lnRef idx="2">
+            <a:schemeClr val="accent1">
+              <a:shade val="50000"/>
+            </a:schemeClr>
+          </a:lnRef>
+          <a:fillRef idx="1">
+            <a:schemeClr val="accent1"/>
+          </a:fillRef>
+          <a:effectRef idx="0">
+            <a:schemeClr val="accent1"/>
+          </a:effectRef>
+          <a:fontRef idx="minor">
+            <a:schemeClr val="lt1"/>
+          </a:fontRef>
+        </p:style>
+      </p:cxnSp>
+      <p:cxnSp>
+        <p:nvCxnSpPr>
+          <p:cNvPr id="6" name="Connecteur droit avec flèche 5">
+            <a:extLst>
+              <a:ext uri="{FF2B5EF4-FFF2-40B4-BE49-F238E27FC236}">
+                <a16:creationId xmlns:a16="http://schemas.microsoft.com/office/drawing/2014/main" id="{40181B7C-55A3-4354-8279-C2519A8E6ECB}"/>
+              </a:ext>
+            </a:extLst>
+          </p:cNvPr>
+          <p:cNvCxnSpPr/>
+          <p:nvPr/>
+        </p:nvCxnSpPr>
+        <p:spPr>
+          <a:xfrm>
+            <a:off x="6365488" y="1232756"/>
+            <a:ext cx="497344" cy="0"/>
+          </a:xfrm>
+          <a:prstGeom prst="straightConnector1">
+            <a:avLst/>
+          </a:prstGeom>
+          <a:noFill/>
+          <a:ln w="19050">
+            <a:solidFill>
+              <a:schemeClr val="tx1"/>
+            </a:solidFill>
+            <a:tailEnd type="stealth"/>
+          </a:ln>
+        </p:spPr>
+        <p:style>
+          <a:lnRef idx="2">
+            <a:schemeClr val="accent1">
+              <a:shade val="50000"/>
+            </a:schemeClr>
+          </a:lnRef>
+          <a:fillRef idx="1">
+            <a:schemeClr val="accent1"/>
+          </a:fillRef>
+          <a:effectRef idx="0">
+            <a:schemeClr val="accent1"/>
+          </a:effectRef>
+          <a:fontRef idx="minor">
+            <a:schemeClr val="lt1"/>
+          </a:fontRef>
+        </p:style>
+      </p:cxnSp>
+      <p:cxnSp>
+        <p:nvCxnSpPr>
+          <p:cNvPr id="7" name="Connecteur droit avec flèche 6">
+            <a:extLst>
+              <a:ext uri="{FF2B5EF4-FFF2-40B4-BE49-F238E27FC236}">
+                <a16:creationId xmlns:a16="http://schemas.microsoft.com/office/drawing/2014/main" id="{4548BE68-B201-4FF3-A88B-3AFE6688860D}"/>
+              </a:ext>
+            </a:extLst>
+          </p:cNvPr>
+          <p:cNvCxnSpPr/>
+          <p:nvPr/>
+        </p:nvCxnSpPr>
+        <p:spPr>
+          <a:xfrm>
+            <a:off x="3066544" y="1232756"/>
+            <a:ext cx="497344" cy="0"/>
+          </a:xfrm>
+          <a:prstGeom prst="straightConnector1">
+            <a:avLst/>
+          </a:prstGeom>
+          <a:noFill/>
+          <a:ln w="19050">
+            <a:solidFill>
+              <a:schemeClr val="tx1"/>
+            </a:solidFill>
+            <a:tailEnd type="stealth"/>
+          </a:ln>
+        </p:spPr>
+        <p:style>
+          <a:lnRef idx="2">
+            <a:schemeClr val="accent1">
+              <a:shade val="50000"/>
+            </a:schemeClr>
+          </a:lnRef>
+          <a:fillRef idx="1">
+            <a:schemeClr val="accent1"/>
+          </a:fillRef>
+          <a:effectRef idx="0">
+            <a:schemeClr val="accent1"/>
+          </a:effectRef>
+          <a:fontRef idx="minor">
+            <a:schemeClr val="lt1"/>
+          </a:fontRef>
+        </p:style>
+      </p:cxnSp>
+      <p:cxnSp>
+        <p:nvCxnSpPr>
+          <p:cNvPr id="8" name="Connecteur droit avec flèche 7">
+            <a:extLst>
+              <a:ext uri="{FF2B5EF4-FFF2-40B4-BE49-F238E27FC236}">
+                <a16:creationId xmlns:a16="http://schemas.microsoft.com/office/drawing/2014/main" id="{4957B005-7DD1-412C-8CC3-2E800F196B0A}"/>
+              </a:ext>
+            </a:extLst>
+          </p:cNvPr>
+          <p:cNvCxnSpPr/>
+          <p:nvPr/>
+        </p:nvCxnSpPr>
+        <p:spPr>
+          <a:xfrm>
+            <a:off x="2267744" y="1232756"/>
+            <a:ext cx="497344" cy="0"/>
+          </a:xfrm>
+          <a:prstGeom prst="straightConnector1">
+            <a:avLst/>
+          </a:prstGeom>
+          <a:noFill/>
+          <a:ln w="19050">
+            <a:solidFill>
+              <a:schemeClr val="tx1"/>
+            </a:solidFill>
+            <a:tailEnd type="stealth"/>
+          </a:ln>
+        </p:spPr>
+        <p:style>
+          <a:lnRef idx="2">
+            <a:schemeClr val="accent1">
+              <a:shade val="50000"/>
+            </a:schemeClr>
+          </a:lnRef>
+          <a:fillRef idx="1">
+            <a:schemeClr val="accent1"/>
+          </a:fillRef>
+          <a:effectRef idx="0">
+            <a:schemeClr val="accent1"/>
+          </a:effectRef>
+          <a:fontRef idx="minor">
+            <a:schemeClr val="lt1"/>
+          </a:fontRef>
+        </p:style>
+      </p:cxnSp>
+      <p:sp>
+        <p:nvSpPr>
+          <p:cNvPr id="9" name="Organigramme : Jonction de sommaire 8">
+            <a:extLst>
+              <a:ext uri="{FF2B5EF4-FFF2-40B4-BE49-F238E27FC236}">
+                <a16:creationId xmlns:a16="http://schemas.microsoft.com/office/drawing/2014/main" id="{52B2F57E-9AFC-47BC-919D-507F63B647A1}"/>
+              </a:ext>
+            </a:extLst>
+          </p:cNvPr>
+          <p:cNvSpPr/>
+          <p:nvPr/>
+        </p:nvSpPr>
+        <p:spPr>
+          <a:xfrm>
+            <a:off x="2758376" y="1085384"/>
+            <a:ext cx="294744" cy="294744"/>
+          </a:xfrm>
+          <a:prstGeom prst="flowChartSummingJunction">
+            <a:avLst/>
+          </a:prstGeom>
+          <a:noFill/>
+          <a:ln w="19050">
+            <a:solidFill>
+              <a:schemeClr val="tx1"/>
+            </a:solidFill>
+          </a:ln>
+        </p:spPr>
+        <p:style>
+          <a:lnRef idx="2">
+            <a:schemeClr val="accent1">
+              <a:shade val="50000"/>
+            </a:schemeClr>
+          </a:lnRef>
+          <a:fillRef idx="1">
+            <a:schemeClr val="accent1"/>
+          </a:fillRef>
+          <a:effectRef idx="0">
+            <a:schemeClr val="accent1"/>
+          </a:effectRef>
+          <a:fontRef idx="minor">
+            <a:schemeClr val="lt1"/>
+          </a:fontRef>
+        </p:style>
+        <p:txBody>
+          <a:bodyPr rot="0" spcFirstLastPara="0" vertOverflow="overflow" horzOverflow="overflow" vert="horz" wrap="square" lIns="91440" tIns="45720" rIns="91440" bIns="45720" numCol="1" spcCol="0" rtlCol="0" fromWordArt="0" anchor="ctr" anchorCtr="0" forceAA="0" compatLnSpc="1">
+            <a:prstTxWarp prst="textNoShape">
+              <a:avLst/>
+            </a:prstTxWarp>
+            <a:noAutofit/>
+          </a:bodyPr>
+          <a:lstStyle/>
+          <a:p>
+            <a:pPr algn="ctr"/>
+            <a:endParaRPr lang="fr-FR" sz="1400" i="1">
+              <a:solidFill>
+                <a:schemeClr val="tx1"/>
+              </a:solidFill>
+              <a:latin typeface="Cambria Math" panose="02040503050406030204" pitchFamily="18" charset="0"/>
+            </a:endParaRPr>
+          </a:p>
+        </p:txBody>
+      </p:sp>
+      <mc:AlternateContent xmlns:mc="http://schemas.openxmlformats.org/markup-compatibility/2006">
+        <mc:Choice xmlns:a14="http://schemas.microsoft.com/office/drawing/2010/main" Requires="a14">
+          <p:sp>
+            <p:nvSpPr>
+              <p:cNvPr id="10" name="Rectangle 9">
+                <a:extLst>
+                  <a:ext uri="{FF2B5EF4-FFF2-40B4-BE49-F238E27FC236}">
+                    <a16:creationId xmlns:a16="http://schemas.microsoft.com/office/drawing/2014/main" id="{BF81F052-CA5B-4E56-B7D6-D1BCADFBB457}"/>
+                  </a:ext>
+                </a:extLst>
+              </p:cNvPr>
+              <p:cNvSpPr/>
+              <p:nvPr/>
+            </p:nvSpPr>
+            <p:spPr>
+              <a:xfrm>
+                <a:off x="2535643" y="895024"/>
+                <a:ext cx="410690" cy="369332"/>
+              </a:xfrm>
+              <a:prstGeom prst="rect">
+                <a:avLst/>
+              </a:prstGeom>
+            </p:spPr>
+            <p:txBody>
+              <a:bodyPr wrap="none">
+                <a:spAutoFit/>
+              </a:bodyPr>
+              <a:lstStyle/>
+              <a:p>
+                <a14:m>
+                  <m:oMathPara xmlns:m="http://schemas.openxmlformats.org/officeDocument/2006/math">
+                    <m:oMathParaPr>
+                      <m:jc m:val="centerGroup"/>
+                    </m:oMathParaPr>
+                    <m:oMath xmlns:m="http://schemas.openxmlformats.org/officeDocument/2006/math">
+                      <m:r>
+                        <a:rPr lang="fr-FR" b="1" i="1" smtClean="0">
+                          <a:latin typeface="Cambria Math" panose="02040503050406030204" pitchFamily="18" charset="0"/>
+                        </a:rPr>
+                        <m:t>+</m:t>
+                      </m:r>
+                    </m:oMath>
+                  </m:oMathPara>
+                </a14:m>
+                <a:endParaRPr lang="fr-FR" b="1" dirty="0"/>
+              </a:p>
+            </p:txBody>
+          </p:sp>
+        </mc:Choice>
+        <mc:Fallback>
+          <p:sp>
+            <p:nvSpPr>
+              <p:cNvPr id="10" name="Rectangle 9">
+                <a:extLst>
+                  <a:ext uri="{FF2B5EF4-FFF2-40B4-BE49-F238E27FC236}">
+                    <a16:creationId xmlns:a16="http://schemas.microsoft.com/office/drawing/2014/main" id="{BF81F052-CA5B-4E56-B7D6-D1BCADFBB457}"/>
+                  </a:ext>
+                </a:extLst>
+              </p:cNvPr>
+              <p:cNvSpPr>
+                <a:spLocks noRot="1" noChangeAspect="1" noMove="1" noResize="1" noEditPoints="1" noAdjustHandles="1" noChangeArrowheads="1" noChangeShapeType="1" noTextEdit="1"/>
+              </p:cNvSpPr>
+              <p:nvPr/>
+            </p:nvSpPr>
+            <p:spPr>
+              <a:xfrm>
+                <a:off x="2535643" y="895024"/>
+                <a:ext cx="410690" cy="369332"/>
+              </a:xfrm>
+              <a:prstGeom prst="rect">
+                <a:avLst/>
+              </a:prstGeom>
+              <a:blipFill>
+                <a:blip r:embed="rId4"/>
+                <a:stretch>
+                  <a:fillRect/>
+                </a:stretch>
+              </a:blipFill>
+            </p:spPr>
+            <p:txBody>
+              <a:bodyPr/>
+              <a:lstStyle/>
+              <a:p>
+                <a:r>
+                  <a:rPr lang="fr-FR">
+                    <a:noFill/>
+                  </a:rPr>
+                  <a:t> </a:t>
+                </a:r>
+              </a:p>
+            </p:txBody>
+          </p:sp>
+        </mc:Fallback>
+      </mc:AlternateContent>
+      <mc:AlternateContent xmlns:mc="http://schemas.openxmlformats.org/markup-compatibility/2006">
+        <mc:Choice xmlns:a14="http://schemas.microsoft.com/office/drawing/2010/main" Requires="a14">
+          <p:sp>
+            <p:nvSpPr>
+              <p:cNvPr id="11" name="Rectangle 10">
+                <a:extLst>
+                  <a:ext uri="{FF2B5EF4-FFF2-40B4-BE49-F238E27FC236}">
+                    <a16:creationId xmlns:a16="http://schemas.microsoft.com/office/drawing/2014/main" id="{57516BB8-7100-488C-8719-880BEC890E47}"/>
+                  </a:ext>
+                </a:extLst>
+              </p:cNvPr>
+              <p:cNvSpPr/>
+              <p:nvPr/>
+            </p:nvSpPr>
+            <p:spPr>
+              <a:xfrm>
+                <a:off x="2559743" y="1269148"/>
+                <a:ext cx="410690" cy="369332"/>
+              </a:xfrm>
+              <a:prstGeom prst="rect">
+                <a:avLst/>
+              </a:prstGeom>
+            </p:spPr>
+            <p:txBody>
+              <a:bodyPr wrap="none">
+                <a:spAutoFit/>
+              </a:bodyPr>
+              <a:lstStyle/>
+              <a:p>
+                <a14:m>
+                  <m:oMathPara xmlns:m="http://schemas.openxmlformats.org/officeDocument/2006/math">
+                    <m:oMathParaPr>
+                      <m:jc m:val="centerGroup"/>
+                    </m:oMathParaPr>
+                    <m:oMath xmlns:m="http://schemas.openxmlformats.org/officeDocument/2006/math">
+                      <m:r>
+                        <a:rPr lang="fr-FR" b="1" i="1" smtClean="0">
+                          <a:latin typeface="Cambria Math" panose="02040503050406030204" pitchFamily="18" charset="0"/>
+                        </a:rPr>
+                        <m:t>−</m:t>
+                      </m:r>
+                    </m:oMath>
+                  </m:oMathPara>
+                </a14:m>
+                <a:endParaRPr lang="fr-FR" b="1" dirty="0"/>
+              </a:p>
+            </p:txBody>
+          </p:sp>
+        </mc:Choice>
+        <mc:Fallback>
+          <p:sp>
+            <p:nvSpPr>
+              <p:cNvPr id="11" name="Rectangle 10">
+                <a:extLst>
+                  <a:ext uri="{FF2B5EF4-FFF2-40B4-BE49-F238E27FC236}">
+                    <a16:creationId xmlns:a16="http://schemas.microsoft.com/office/drawing/2014/main" id="{57516BB8-7100-488C-8719-880BEC890E47}"/>
+                  </a:ext>
+                </a:extLst>
+              </p:cNvPr>
+              <p:cNvSpPr>
+                <a:spLocks noRot="1" noChangeAspect="1" noMove="1" noResize="1" noEditPoints="1" noAdjustHandles="1" noChangeArrowheads="1" noChangeShapeType="1" noTextEdit="1"/>
+              </p:cNvSpPr>
+              <p:nvPr/>
+            </p:nvSpPr>
+            <p:spPr>
+              <a:xfrm>
+                <a:off x="2559743" y="1269148"/>
+                <a:ext cx="410690" cy="369332"/>
+              </a:xfrm>
+              <a:prstGeom prst="rect">
+                <a:avLst/>
+              </a:prstGeom>
+              <a:blipFill>
+                <a:blip r:embed="rId5"/>
+                <a:stretch>
+                  <a:fillRect/>
+                </a:stretch>
+              </a:blipFill>
+            </p:spPr>
+            <p:txBody>
+              <a:bodyPr/>
+              <a:lstStyle/>
+              <a:p>
+                <a:r>
+                  <a:rPr lang="fr-FR">
+                    <a:noFill/>
+                  </a:rPr>
+                  <a:t> </a:t>
+                </a:r>
+              </a:p>
+            </p:txBody>
+          </p:sp>
+        </mc:Fallback>
+      </mc:AlternateContent>
+      <p:cxnSp>
+        <p:nvCxnSpPr>
+          <p:cNvPr id="12" name="Connecteur droit avec flèche 11">
+            <a:extLst>
+              <a:ext uri="{FF2B5EF4-FFF2-40B4-BE49-F238E27FC236}">
+                <a16:creationId xmlns:a16="http://schemas.microsoft.com/office/drawing/2014/main" id="{347CABC2-B212-4986-AADD-FA7693E9ACFD}"/>
+              </a:ext>
+            </a:extLst>
+          </p:cNvPr>
+          <p:cNvCxnSpPr>
+            <a:cxnSpLocks/>
+            <a:endCxn id="9" idx="4"/>
+          </p:cNvCxnSpPr>
+          <p:nvPr/>
+        </p:nvCxnSpPr>
+        <p:spPr>
+          <a:xfrm flipV="1">
+            <a:off x="2905748" y="1380128"/>
+            <a:ext cx="0" cy="464696"/>
+          </a:xfrm>
+          <a:prstGeom prst="straightConnector1">
+            <a:avLst/>
+          </a:prstGeom>
+          <a:noFill/>
+          <a:ln w="19050">
+            <a:solidFill>
+              <a:schemeClr val="tx1"/>
+            </a:solidFill>
+            <a:tailEnd type="stealth"/>
+          </a:ln>
+        </p:spPr>
+        <p:style>
+          <a:lnRef idx="2">
+            <a:schemeClr val="accent1">
+              <a:shade val="50000"/>
+            </a:schemeClr>
+          </a:lnRef>
+          <a:fillRef idx="1">
+            <a:schemeClr val="accent1"/>
+          </a:fillRef>
+          <a:effectRef idx="0">
+            <a:schemeClr val="accent1"/>
+          </a:effectRef>
+          <a:fontRef idx="minor">
+            <a:schemeClr val="lt1"/>
+          </a:fontRef>
+        </p:style>
+      </p:cxnSp>
+      <p:cxnSp>
+        <p:nvCxnSpPr>
+          <p:cNvPr id="16" name="Connecteur droit avec flèche 15">
+            <a:extLst>
+              <a:ext uri="{FF2B5EF4-FFF2-40B4-BE49-F238E27FC236}">
+                <a16:creationId xmlns:a16="http://schemas.microsoft.com/office/drawing/2014/main" id="{693D9423-952C-4D37-B787-F5910B1230AE}"/>
+              </a:ext>
+            </a:extLst>
+          </p:cNvPr>
+          <p:cNvCxnSpPr>
+            <a:cxnSpLocks/>
+          </p:cNvCxnSpPr>
+          <p:nvPr/>
+        </p:nvCxnSpPr>
+        <p:spPr>
+          <a:xfrm flipV="1">
+            <a:off x="2905748" y="1844824"/>
+            <a:ext cx="3610468" cy="12576"/>
+          </a:xfrm>
+          <a:prstGeom prst="straightConnector1">
+            <a:avLst/>
+          </a:prstGeom>
+          <a:noFill/>
+          <a:ln w="19050">
+            <a:solidFill>
+              <a:schemeClr val="tx1"/>
+            </a:solidFill>
+            <a:tailEnd type="none"/>
+          </a:ln>
+        </p:spPr>
+        <p:style>
+          <a:lnRef idx="2">
+            <a:schemeClr val="accent1">
+              <a:shade val="50000"/>
+            </a:schemeClr>
+          </a:lnRef>
+          <a:fillRef idx="1">
+            <a:schemeClr val="accent1"/>
+          </a:fillRef>
+          <a:effectRef idx="0">
+            <a:schemeClr val="accent1"/>
+          </a:effectRef>
+          <a:fontRef idx="minor">
+            <a:schemeClr val="lt1"/>
+          </a:fontRef>
+        </p:style>
+      </p:cxnSp>
+      <p:cxnSp>
+        <p:nvCxnSpPr>
+          <p:cNvPr id="20" name="Connecteur droit avec flèche 19">
+            <a:extLst>
+              <a:ext uri="{FF2B5EF4-FFF2-40B4-BE49-F238E27FC236}">
+                <a16:creationId xmlns:a16="http://schemas.microsoft.com/office/drawing/2014/main" id="{B804ABA3-976B-4F92-AA2D-7DE815C7F56A}"/>
+              </a:ext>
+            </a:extLst>
+          </p:cNvPr>
+          <p:cNvCxnSpPr>
+            <a:cxnSpLocks/>
+          </p:cNvCxnSpPr>
+          <p:nvPr/>
+        </p:nvCxnSpPr>
+        <p:spPr>
+          <a:xfrm flipV="1">
+            <a:off x="6516216" y="1232756"/>
+            <a:ext cx="0" cy="612068"/>
+          </a:xfrm>
+          <a:prstGeom prst="straightConnector1">
+            <a:avLst/>
+          </a:prstGeom>
+          <a:noFill/>
+          <a:ln w="19050">
+            <a:solidFill>
+              <a:schemeClr val="tx1"/>
+            </a:solidFill>
+            <a:tailEnd type="none"/>
+          </a:ln>
+        </p:spPr>
+        <p:style>
+          <a:lnRef idx="2">
+            <a:schemeClr val="accent1">
+              <a:shade val="50000"/>
+            </a:schemeClr>
+          </a:lnRef>
+          <a:fillRef idx="1">
+            <a:schemeClr val="accent1"/>
+          </a:fillRef>
+          <a:effectRef idx="0">
+            <a:schemeClr val="accent1"/>
+          </a:effectRef>
+          <a:fontRef idx="minor">
+            <a:schemeClr val="lt1"/>
+          </a:fontRef>
+        </p:style>
+      </p:cxnSp>
+      <mc:AlternateContent xmlns:mc="http://schemas.openxmlformats.org/markup-compatibility/2006">
+        <mc:Choice xmlns:a14="http://schemas.microsoft.com/office/drawing/2010/main" Requires="a14">
+          <p:sp>
+            <p:nvSpPr>
+              <p:cNvPr id="24" name="Rectangle 23">
+                <a:extLst>
+                  <a:ext uri="{FF2B5EF4-FFF2-40B4-BE49-F238E27FC236}">
+                    <a16:creationId xmlns:a16="http://schemas.microsoft.com/office/drawing/2014/main" id="{30401625-E707-4DDC-A867-3A4414BDAAB4}"/>
+                  </a:ext>
+                </a:extLst>
+              </p:cNvPr>
+              <p:cNvSpPr/>
+              <p:nvPr/>
+            </p:nvSpPr>
+            <p:spPr>
+              <a:xfrm>
+                <a:off x="2116978" y="909590"/>
+                <a:ext cx="653640" cy="338554"/>
+              </a:xfrm>
+              <a:prstGeom prst="rect">
+                <a:avLst/>
+              </a:prstGeom>
+            </p:spPr>
+            <p:txBody>
+              <a:bodyPr wrap="none">
+                <a:spAutoFit/>
+              </a:bodyPr>
+              <a:lstStyle/>
+              <a:p>
+                <a:pPr algn="ctr"/>
+                <a14:m>
+                  <m:oMathPara xmlns:m="http://schemas.openxmlformats.org/officeDocument/2006/math">
+                    <m:oMathParaPr>
+                      <m:jc m:val="centerGroup"/>
+                    </m:oMathParaPr>
+                    <m:oMath xmlns:m="http://schemas.openxmlformats.org/officeDocument/2006/math">
+                      <m:r>
+                        <a:rPr lang="fr-FR" sz="1600" b="0" i="1" smtClean="0">
+                          <a:latin typeface="Cambria Math" panose="02040503050406030204" pitchFamily="18" charset="0"/>
+                        </a:rPr>
+                        <m:t>𝐸</m:t>
+                      </m:r>
+                      <m:r>
+                        <a:rPr lang="fr-FR" sz="1600" b="0" i="1" smtClean="0">
+                          <a:latin typeface="Cambria Math" panose="02040503050406030204" pitchFamily="18" charset="0"/>
+                        </a:rPr>
+                        <m:t>(</m:t>
+                      </m:r>
+                      <m:r>
+                        <a:rPr lang="fr-FR" sz="1600" b="0" i="1" smtClean="0">
+                          <a:latin typeface="Cambria Math" panose="02040503050406030204" pitchFamily="18" charset="0"/>
+                        </a:rPr>
+                        <m:t>𝑝</m:t>
+                      </m:r>
+                      <m:r>
+                        <a:rPr lang="fr-FR" sz="1600" b="0" i="1" smtClean="0">
+                          <a:latin typeface="Cambria Math" panose="02040503050406030204" pitchFamily="18" charset="0"/>
+                        </a:rPr>
+                        <m:t>)</m:t>
+                      </m:r>
+                    </m:oMath>
+                  </m:oMathPara>
+                </a14:m>
+                <a:endParaRPr lang="fr-FR" sz="1600" dirty="0"/>
+              </a:p>
+            </p:txBody>
+          </p:sp>
+        </mc:Choice>
+        <mc:Fallback>
+          <p:sp>
+            <p:nvSpPr>
+              <p:cNvPr id="24" name="Rectangle 23">
+                <a:extLst>
+                  <a:ext uri="{FF2B5EF4-FFF2-40B4-BE49-F238E27FC236}">
+                    <a16:creationId xmlns:a16="http://schemas.microsoft.com/office/drawing/2014/main" id="{30401625-E707-4DDC-A867-3A4414BDAAB4}"/>
+                  </a:ext>
+                </a:extLst>
+              </p:cNvPr>
+              <p:cNvSpPr>
+                <a:spLocks noRot="1" noChangeAspect="1" noMove="1" noResize="1" noEditPoints="1" noAdjustHandles="1" noChangeArrowheads="1" noChangeShapeType="1" noTextEdit="1"/>
+              </p:cNvSpPr>
+              <p:nvPr/>
+            </p:nvSpPr>
+            <p:spPr>
+              <a:xfrm>
+                <a:off x="2116978" y="909590"/>
+                <a:ext cx="653640" cy="338554"/>
+              </a:xfrm>
+              <a:prstGeom prst="rect">
+                <a:avLst/>
+              </a:prstGeom>
+              <a:blipFill>
+                <a:blip r:embed="rId6"/>
+                <a:stretch>
+                  <a:fillRect b="-8929"/>
+                </a:stretch>
+              </a:blipFill>
+            </p:spPr>
+            <p:txBody>
+              <a:bodyPr/>
+              <a:lstStyle/>
+              <a:p>
+                <a:r>
+                  <a:rPr lang="fr-FR">
+                    <a:noFill/>
+                  </a:rPr>
+                  <a:t> </a:t>
+                </a:r>
+              </a:p>
+            </p:txBody>
+          </p:sp>
+        </mc:Fallback>
+      </mc:AlternateContent>
+      <mc:AlternateContent xmlns:mc="http://schemas.openxmlformats.org/markup-compatibility/2006">
+        <mc:Choice xmlns:a14="http://schemas.microsoft.com/office/drawing/2010/main" Requires="a14">
+          <p:sp>
+            <p:nvSpPr>
+              <p:cNvPr id="25" name="Rectangle 24">
+                <a:extLst>
+                  <a:ext uri="{FF2B5EF4-FFF2-40B4-BE49-F238E27FC236}">
+                    <a16:creationId xmlns:a16="http://schemas.microsoft.com/office/drawing/2014/main" id="{17716595-6F00-4338-B9B7-4A03998F1E0F}"/>
+                  </a:ext>
+                </a:extLst>
+              </p:cNvPr>
+              <p:cNvSpPr/>
+              <p:nvPr/>
+            </p:nvSpPr>
+            <p:spPr>
+              <a:xfrm>
+                <a:off x="6387621" y="870608"/>
+                <a:ext cx="630429" cy="338554"/>
+              </a:xfrm>
+              <a:prstGeom prst="rect">
+                <a:avLst/>
+              </a:prstGeom>
+            </p:spPr>
+            <p:txBody>
+              <a:bodyPr wrap="none">
+                <a:spAutoFit/>
+              </a:bodyPr>
+              <a:lstStyle/>
+              <a:p>
+                <a:pPr algn="ctr"/>
+                <a14:m>
+                  <m:oMathPara xmlns:m="http://schemas.openxmlformats.org/officeDocument/2006/math">
+                    <m:oMathParaPr>
+                      <m:jc m:val="centerGroup"/>
+                    </m:oMathParaPr>
+                    <m:oMath xmlns:m="http://schemas.openxmlformats.org/officeDocument/2006/math">
+                      <m:r>
+                        <a:rPr lang="fr-FR" sz="1600" b="0" i="1" smtClean="0">
+                          <a:latin typeface="Cambria Math" panose="02040503050406030204" pitchFamily="18" charset="0"/>
+                        </a:rPr>
+                        <m:t>𝑆</m:t>
+                      </m:r>
+                      <m:r>
+                        <a:rPr lang="fr-FR" sz="1600" b="0" i="1" smtClean="0">
+                          <a:latin typeface="Cambria Math" panose="02040503050406030204" pitchFamily="18" charset="0"/>
+                        </a:rPr>
+                        <m:t>(</m:t>
+                      </m:r>
+                      <m:r>
+                        <a:rPr lang="fr-FR" sz="1600" b="0" i="1" smtClean="0">
+                          <a:latin typeface="Cambria Math" panose="02040503050406030204" pitchFamily="18" charset="0"/>
+                        </a:rPr>
+                        <m:t>𝑝</m:t>
+                      </m:r>
+                      <m:r>
+                        <a:rPr lang="fr-FR" sz="1600" b="0" i="1" smtClean="0">
+                          <a:latin typeface="Cambria Math" panose="02040503050406030204" pitchFamily="18" charset="0"/>
+                        </a:rPr>
+                        <m:t>)</m:t>
+                      </m:r>
+                    </m:oMath>
+                  </m:oMathPara>
+                </a14:m>
+                <a:endParaRPr lang="fr-FR" sz="1600" dirty="0"/>
+              </a:p>
+            </p:txBody>
+          </p:sp>
+        </mc:Choice>
+        <mc:Fallback>
+          <p:sp>
+            <p:nvSpPr>
+              <p:cNvPr id="25" name="Rectangle 24">
+                <a:extLst>
+                  <a:ext uri="{FF2B5EF4-FFF2-40B4-BE49-F238E27FC236}">
+                    <a16:creationId xmlns:a16="http://schemas.microsoft.com/office/drawing/2014/main" id="{17716595-6F00-4338-B9B7-4A03998F1E0F}"/>
+                  </a:ext>
+                </a:extLst>
+              </p:cNvPr>
+              <p:cNvSpPr>
+                <a:spLocks noRot="1" noChangeAspect="1" noMove="1" noResize="1" noEditPoints="1" noAdjustHandles="1" noChangeArrowheads="1" noChangeShapeType="1" noTextEdit="1"/>
+              </p:cNvSpPr>
+              <p:nvPr/>
+            </p:nvSpPr>
+            <p:spPr>
+              <a:xfrm>
+                <a:off x="6387621" y="870608"/>
+                <a:ext cx="630429" cy="338554"/>
+              </a:xfrm>
+              <a:prstGeom prst="rect">
+                <a:avLst/>
+              </a:prstGeom>
+              <a:blipFill>
+                <a:blip r:embed="rId7"/>
+                <a:stretch>
+                  <a:fillRect b="-10909"/>
+                </a:stretch>
+              </a:blipFill>
+            </p:spPr>
+            <p:txBody>
+              <a:bodyPr/>
+              <a:lstStyle/>
+              <a:p>
+                <a:r>
+                  <a:rPr lang="fr-FR">
+                    <a:noFill/>
+                  </a:rPr>
+                  <a:t> </a:t>
+                </a:r>
+              </a:p>
+            </p:txBody>
+          </p:sp>
+        </mc:Fallback>
+      </mc:AlternateContent>
     </p:spTree>
     <p:extLst>
       <p:ext uri="{BB962C8B-B14F-4D97-AF65-F5344CB8AC3E}">
